--- a/Progetto_Finale/progetto_finale.pptx
+++ b/Progetto_Finale/progetto_finale.pptx
@@ -12,11 +12,14 @@
   <manifest:file-entry manifest:media-type="image/png" manifest:full-path="Pictures/100002010000054B000001F6D9DE60F7.png"/>
   <manifest:file-entry manifest:media-type="image/png" manifest:full-path="Pictures/10000201000003B90000011FE7FFF966.png"/>
   <manifest:file-entry manifest:media-type="image/png" manifest:full-path="Pictures/10000201000003E500000188CF5E6594.png"/>
+  <manifest:file-entry manifest:media-type="image/png" manifest:full-path="Pictures/100002010000060000000400C39603BF.png"/>
   <manifest:file-entry manifest:media-type="image/jpeg" manifest:full-path="Pictures/10000000000003200000011FC9031E70.jpg"/>
   <manifest:file-entry manifest:media-type="image/png" manifest:full-path="Pictures/10000201000004780000010ACDCB199B.png"/>
+  <manifest:file-entry manifest:media-type="image/png" manifest:full-path="Pictures/10000201000003850000029935372578.png"/>
   <manifest:file-entry manifest:media-type="image/png" manifest:full-path="Pictures/100002010000065B00000300CDFB6B98.png"/>
   <manifest:file-entry manifest:media-type="image/png" manifest:full-path="Pictures/100002010000038400000141CABE3045.png"/>
   <manifest:file-entry manifest:media-type="image/png" manifest:full-path="Pictures/100002010000043B0000058322A56B1D.png"/>
+  <manifest:file-entry manifest:media-type="image/png" manifest:full-path="Pictures/10000201000003B90000031CC9773FA0.png"/>
   <manifest:file-entry manifest:media-type="image/png" manifest:full-path="Pictures/10000201000001EF00000111120BFF14.png"/>
   <manifest:file-entry manifest:media-type="image/png" manifest:full-path="Pictures/10000201000006EC0000006035A18DFB.png"/>
   <manifest:file-entry manifest:media-type="image/png" manifest:full-path="Pictures/10000201000002A5000000BC3AD0E6CC.png"/>
@@ -40,6 +43,9 @@
     <style:style style:name="dp2" style:family="drawing-page">
       <style:drawing-page-properties presentation:display-header="true" presentation:display-footer="true" presentation:display-page-number="false" presentation:display-date-time="true"/>
     </style:style>
+    <style:style style:name="dp3" style:family="drawing-page">
+      <style:drawing-page-properties presentation:transition-type="automatic" presentation:duration="PT00H00M10S" presentation:background-visible="true" presentation:background-objects-visible="true" draw:fill="solid" draw:fill-color="#003366" presentation:display-footer="true" presentation:display-page-number="false" presentation:display-date-time="true"/>
+    </style:style>
     <style:style style:name="gr1" style:family="graphic" style:parent-style-name="Oggetto_20_senza_20_riempimento_20_e_20_linea">
       <style:graphic-properties draw:stroke="none" draw:fill="none" draw:textarea-vertical-align="middle" draw:color-mode="standard" draw:luminance="0%" draw:contrast="0%" draw:gamma="100%" draw:red="0%" draw:green="0%" draw:blue="0%" fo:clip="rect(0cm, 0cm, 0cm, 0cm)" draw:image-opacity="100%" style:mirror="none"/>
     </style:style>
@@ -52,8 +58,32 @@
     <style:style style:name="gr4" style:family="graphic" style:parent-style-name="Oggetto_20_senza_20_riempimento_20_e_20_linea">
       <style:graphic-properties draw:stroke="none" draw:fill="none" draw:textarea-vertical-align="middle" draw:color-mode="standard" draw:luminance="0%" draw:contrast="0%" draw:gamma="100%" draw:red="0%" draw:green="0%" draw:blue="0%" fo:clip="rect(0cm, 0cm, 0cm, 0cm)" draw:image-opacity="100%" style:mirror="horizontal"/>
     </style:style>
-    <style:style style:name="gr5" style:family="graphic" style:parent-style-name="Oggetto_20_senza_20_riempimento_20_e_20_linea">
+    <style:style style:name="gr5" style:family="graphic" style:parent-style-name="standard">
+      <style:graphic-properties draw:stroke="none" draw:fill="none" draw:fill-color="#ffffff" draw:textarea-horizontal-align="left" draw:textarea-vertical-align="middle" draw:auto-grow-height="false" fo:padding-top="0.13cm" fo:padding-bottom="0.13cm" fo:padding-left="0.25cm" fo:padding-right="0.25cm" fo:wrap-option="no-wrap" draw:shadow-color="#808080" draw:color-mode="standard" draw:luminance="0%" draw:contrast="0%" draw:gamma="100%" draw:red="0%" draw:green="0%" draw:blue="0%" fo:clip="rect(0cm, 0cm, 0cm, 0cm)" draw:image-opacity="100%" style:mirror="none"/>
+    </style:style>
+    <style:style style:name="gr6" style:family="graphic" style:parent-style-name="standard" style:list-style-name="L3">
+      <style:graphic-properties draw:stroke="none" draw:fill="none" draw:fill-color="#ffffff" draw:textarea-horizontal-align="left" draw:textarea-vertical-align="top" draw:auto-grow-height="false" fo:padding-top="0.035cm" fo:padding-bottom="0cm" fo:padding-left="0cm" fo:padding-right="0cm" fo:wrap-option="wrap" draw:shadow-color="#808080"/>
+    </style:style>
+    <style:style style:name="gr7" style:family="graphic" style:parent-style-name="standard" style:list-style-name="L3">
+      <style:graphic-properties draw:stroke="none" draw:fill="none" draw:fill-color="#ffffff" draw:textarea-horizontal-align="left" draw:textarea-vertical-align="top" draw:auto-grow-height="false" fo:padding-top="0.039cm" fo:padding-bottom="0cm" fo:padding-left="0cm" fo:padding-right="0cm" fo:wrap-option="wrap" draw:shadow-color="#808080"/>
+    </style:style>
+    <style:style style:name="gr8" style:family="graphic" style:parent-style-name="standard" style:list-style-name="L3">
+      <style:graphic-properties draw:stroke="none" draw:fill="none" draw:fill-color="#ffffff" draw:textarea-horizontal-align="left" draw:textarea-vertical-align="top" draw:auto-grow-height="false" fo:padding-top="0.039cm" fo:padding-bottom="0cm" fo:padding-left="0cm" fo:padding-right="0cm" fo:wrap-option="wrap" draw:shadow-color="#808080"/>
+    </style:style>
+    <style:style style:name="gr9" style:family="graphic" style:parent-style-name="standard" style:list-style-name="L3">
+      <style:graphic-properties draw:stroke="none" draw:fill="none" draw:fill-color="#ffffff" draw:textarea-horizontal-align="left" draw:textarea-vertical-align="top" draw:auto-grow-height="false" fo:padding-top="0.039cm" fo:padding-bottom="0cm" fo:padding-left="0cm" fo:padding-right="0cm" fo:wrap-option="wrap" draw:shadow-color="#808080"/>
+    </style:style>
+    <style:style style:name="gr10" style:family="graphic" style:parent-style-name="standard" style:list-style-name="L3">
+      <style:graphic-properties draw:stroke="none" draw:fill="none" draw:fill-color="#ffffff" draw:textarea-horizontal-align="left" draw:textarea-vertical-align="top" draw:auto-grow-height="false" fo:padding-top="0.039cm" fo:padding-bottom="0cm" fo:padding-left="0cm" fo:padding-right="0cm" fo:wrap-option="wrap" draw:shadow-color="#808080"/>
+    </style:style>
+    <style:style style:name="gr11" style:family="graphic" style:parent-style-name="standard" style:list-style-name="L3">
+      <style:graphic-properties draw:stroke="none" draw:fill="none" draw:fill-color="#ffffff" draw:textarea-horizontal-align="left" draw:textarea-vertical-align="top" draw:auto-grow-height="false" fo:padding-top="0.039cm" fo:padding-bottom="0cm" fo:padding-left="0cm" fo:padding-right="0cm" fo:wrap-option="wrap" draw:shadow-color="#808080"/>
+    </style:style>
+    <style:style style:name="gr12" style:family="graphic" style:parent-style-name="Oggetto_20_senza_20_riempimento_20_e_20_linea">
       <style:graphic-properties draw:textarea-vertical-align="middle" draw:color-mode="standard" draw:luminance="0%" draw:contrast="0%" draw:gamma="100%" draw:red="0%" draw:green="0%" draw:blue="0%" fo:clip="rect(0cm, 0cm, 0cm, 0cm)" draw:image-opacity="100%" style:mirror="none"/>
+    </style:style>
+    <style:style style:name="gr13" style:family="graphic" style:parent-style-name="standard" style:list-style-name="L3">
+      <style:graphic-properties draw:stroke="none" draw:fill="none" draw:fill-color="#ffffff" draw:textarea-horizontal-align="left" draw:textarea-vertical-align="top" draw:auto-grow-height="false" fo:padding-top="0.039cm" fo:padding-bottom="0cm" fo:padding-left="0cm" fo:padding-right="0cm" fo:wrap-option="wrap" draw:shadow-color="#808080"/>
     </style:style>
     <style:style style:name="pr1" style:family="presentation" style:parent-style-name="Predefinito1-title">
       <style:graphic-properties fo:min-height="3.506cm"/>
@@ -109,14 +139,17 @@
     <style:style style:name="pr18" style:family="presentation" style:parent-style-name="Predefinito1-outline1">
       <style:graphic-properties fo:min-height="4.607cm"/>
     </style:style>
-    <style:style style:name="pr19" style:family="presentation" style:parent-style-name="Predefinito1-title">
-      <style:graphic-properties fo:min-height="1.106cm"/>
-    </style:style>
-    <style:style style:name="pr20" style:family="presentation" style:parent-style-name="Predefinito1-outline1">
-      <style:graphic-properties fo:min-height="3.937cm"/>
-    </style:style>
-    <style:style style:name="pr21" style:family="presentation" style:parent-style-name="Predefinito1-outline1">
-      <style:graphic-properties fo:min-height="3.797cm"/>
+    <style:style style:name="pr19" style:family="presentation" style:parent-style-name="Titolo1-title">
+      <style:graphic-properties draw:stroke="none" draw:fill="none" draw:fill-color="#ffffff" draw:textarea-horizontal-align="left" draw:textarea-vertical-align="middle" draw:auto-grow-height="false" draw:auto-grow-width="false" fo:min-height="1.049cm" fo:min-width="0cm" fo:padding-top="0.059cm" fo:padding-bottom="0cm" fo:padding-left="0cm" fo:padding-right="0cm" fo:wrap-option="wrap" draw:shadow-color="#808080"/>
+    </style:style>
+    <style:style style:name="pr20" style:family="presentation" style:parent-style-name="Titolo1-notes">
+      <style:graphic-properties draw:stroke="none" draw:fill="none" draw:fill-color="#ffffff" draw:textarea-horizontal-align="justify" draw:textarea-vertical-align="middle" fo:min-height="11.408cm" draw:shadow-color="#808080"/>
+    </style:style>
+    <style:style style:name="pr21" style:family="presentation" style:parent-style-name="Titolo1-title">
+      <style:graphic-properties fo:min-height="1.216cm"/>
+    </style:style>
+    <style:style style:name="pr22" style:family="presentation" style:parent-style-name="Titolo1-notes">
+      <style:graphic-properties draw:fill-color="#ffffff" fo:min-height="11.403cm"/>
     </style:style>
     <style:style style:name="P1" style:family="paragraph">
       <style:paragraph-properties fo:text-align="center"/>
@@ -138,6 +171,26 @@
       <style:paragraph-properties fo:text-align="start"/>
       <style:text-properties fo:font-size="20pt" style:font-size-asian="20pt" style:font-size-complex="20pt"/>
     </style:style>
+    <style:style style:name="P7" style:family="paragraph">
+      <style:paragraph-properties fo:margin-left="0cm" fo:margin-right="0cm" fo:line-height="93%" fo:text-indent="0cm" style:line-break="strict"/>
+    </style:style>
+    <style:style style:name="P8" style:family="paragraph">
+      <style:paragraph-properties style:writing-mode="lr-tb" style:font-independent-line-spacing="true"/>
+    </style:style>
+    <style:style style:name="P9" style:family="paragraph">
+      <style:paragraph-properties fo:text-align="center" style:writing-mode="lr-tb"/>
+    </style:style>
+    <style:style style:name="P10" style:family="paragraph">
+      <style:paragraph-properties fo:margin-left="0cm" fo:margin-right="0cm" fo:margin-top="0cm" fo:margin-bottom="0.502cm" fo:line-height="95%" fo:text-indent="0cm" style:line-break="strict" style:writing-mode="lr-tb"/>
+      <style:text-properties fo:font-size="18pt"/>
+    </style:style>
+    <style:style style:name="P11" style:family="paragraph">
+      <style:paragraph-properties fo:margin-left="0cm" fo:margin-right="0cm" fo:margin-top="0cm" fo:margin-bottom="0.502cm" fo:line-height="95%" fo:text-indent="0cm" style:line-break="strict" style:writing-mode="lr-tb" style:font-independent-line-spacing="true"/>
+      <style:text-properties fo:font-size="18pt"/>
+    </style:style>
+    <style:style style:name="P12" style:family="paragraph">
+      <style:text-properties fo:font-size="12pt"/>
+    </style:style>
     <style:style style:name="T1" style:family="text">
       <style:text-properties fo:font-size="20pt" style:font-size-asian="20pt" style:font-size-complex="20pt"/>
     </style:style>
@@ -157,7 +210,19 @@
       <style:text-properties fo:color="#ffff66" fo:font-size="22pt" fo:font-style="italic" style:font-size-asian="22pt" style:font-style-asian="italic" style:font-size-complex="22pt" style:font-style-complex="italic"/>
     </style:style>
     <style:style style:name="T7" style:family="text">
-      <style:text-properties fo:color="#ffff00"/>
+      <style:text-properties fo:language="it" fo:country="IT" style:language-asian="it" style:country-asian="IT" style:language-complex="it" style:country-complex="IT"/>
+    </style:style>
+    <style:style style:name="T8" style:family="text">
+      <style:text-properties fo:color="#e6e6e6" fo:font-family="'Times New Roman'" style:font-family-generic="roman" style:font-pitch="variable" fo:font-size="20pt" fo:language="it" fo:country="IT" style:font-family-asian="'Lucida Sans Unicode'" style:font-pitch-asian="variable" style:font-size-asian="20pt" style:language-asian="it" style:country-asian="IT" style:font-family-complex="'Lucida Sans Unicode'" style:font-pitch-complex="variable" style:font-size-complex="20pt" style:language-complex="it" style:country-complex="IT"/>
+    </style:style>
+    <style:style style:name="T9" style:family="text">
+      <style:text-properties fo:color="#e6e6e6" fo:font-family="'Times New Roman'" style:font-family-generic="roman" style:font-pitch="variable" fo:font-size="22pt" fo:language="it" fo:country="IT" style:font-family-asian="'Lucida Sans Unicode'" style:font-pitch-asian="variable" style:font-size-asian="22pt" style:language-asian="it" style:country-asian="IT" style:font-family-complex="'Lucida Sans Unicode'" style:font-pitch-complex="variable" style:font-size-complex="22pt" style:language-complex="it" style:country-complex="IT"/>
+    </style:style>
+    <style:style style:name="T10" style:family="text">
+      <style:text-properties fo:color="#ffff66" fo:font-family="'Times New Roman'" style:font-family-generic="roman" style:font-pitch="variable" fo:font-size="22pt" fo:language="it" fo:country="IT" fo:font-style="italic" style:font-family-asian="'Lucida Sans Unicode'" style:font-pitch-asian="variable" style:font-size-asian="22pt" style:language-asian="it" style:country-asian="IT" style:font-style-asian="italic" style:font-family-complex="'Lucida Sans Unicode'" style:font-pitch-complex="variable" style:font-size-complex="22pt" style:language-complex="it" style:country-complex="IT" style:font-style-complex="italic"/>
+    </style:style>
+    <style:style style:name="T11" style:family="text">
+      <style:text-properties fo:color="#ffff00" fo:font-family="'Times New Roman'" style:font-family-generic="roman" style:font-pitch="variable" fo:font-size="22pt" fo:language="it" fo:country="IT" style:text-underline-style="none" style:font-family-asian="'Lucida Sans Unicode'" style:font-pitch-asian="variable" style:font-size-asian="22pt" style:language-asian="it" style:country-asian="IT" style:font-family-complex="'Lucida Sans Unicode'" style:font-pitch-complex="variable" style:font-size-complex="22pt" style:language-complex="it" style:country-complex="IT"/>
     </style:style>
     <text:list-style style:name="L1">
       <text:list-level-style-bullet text:level="1" text:bullet-char="">
@@ -242,6 +307,12 @@
         <style:list-level-properties text:space-before="5.4cm" text:min-label-width="0.6cm"/>
         <style:text-properties fo:font-family="StarSymbol" style:use-window-font-color="true" fo:font-size="45%"/>
       </text:list-level-style-bullet>
+    </text:list-style>
+    <text:list-style style:name="L3">
+      <text:list-level-style-number text:level="1" style:num-format="">
+        <style:list-level-properties/>
+        <style:text-properties fo:color="#000000" fo:font-size="100%"/>
+      </text:list-level-style-number>
     </text:list-style>
   </office:automatic-styles>
   <office:body>
@@ -766,94 +837,176 @@
           </draw:frame>
         </presentation:notes>
       </draw:page>
-      <draw:page draw:name="page9" draw:style-name="dp1" draw:master-page-name="Predefinito1" presentation:presentation-page-layout-name="AL1T1">
+      <draw:page draw:name="page9" draw:style-name="dp3" draw:master-page-name="Titolo1" presentation:presentation-page-layout-name="AL1T1">
         <office:forms form:automatic-focus="false" form:apply-design-mode="false"/>
-        <draw:frame presentation:style-name="pr19" draw:layer="layout" svg:width="24cm" svg:height="1.106cm" svg:x="1.2cm" svg:y="0.694cm" presentation:class="title" presentation:user-transformed="true">
-          <draw:text-box>
-            <text:p>Labelling Text and Training model</text:p>
-          </draw:text-box>
-        </draw:frame>
-        <draw:frame draw:style-name="gr5" draw:text-style-name="P1" draw:layer="layout" svg:width="21.168cm" svg:height="11cm" svg:x="0.032cm" svg:y="2cm" presentation:class="graphic" presentation:user-transformed="true">
+        <draw:frame presentation:style-name="pr19" draw:text-style-name="P8" draw:layer="layout" svg:width="24.003cm" svg:height="1.107cm" svg:x="1.198cm" svg:y="0.691cm" presentation:class="title" presentation:user-transformed="true">
+          <draw:text-box>
+            <text:list text:style-name="L3">
+              <text:list-header>
+                <text:p text:style-name="P7">
+                  <text:span text:style-name="T7">Labelling Text and Training model</text:span>
+                </text:p>
+              </text:list-header>
+            </text:list>
+          </draw:text-box>
+        </draw:frame>
+        <draw:frame draw:style-name="gr5" draw:text-style-name="P9" draw:layer="layout" svg:width="21.167cm" svg:height="10.998cm" svg:x="0.031cm" svg:y="2.002cm">
           <draw:image xlink:href="Pictures/100002010000065B00000300CDFB6B98.png" xlink:type="simple" xlink:show="embed" xlink:actuate="onLoad">
             <text:p/>
           </draw:image>
         </draw:frame>
-        <draw:frame presentation:style-name="pr20" draw:text-style-name="P6" draw:layer="layout" svg:width="26.999cm" svg:height="3.937cm" draw:transform="rotate (0.0005235987755982) translate (0.4cm 13.511cm)" presentation:class="outline" presentation:user-transformed="true">
-          <draw:text-box>
-            <text:p text:style-name="P6">
-              Utilizzando 
-              <text:span text:style-name="T7">Doccano</text:span>
-              , strumento open-source per l'annotazione di testi, utile per creare dataset etichettati da utilizzare in modelli di 
-              <text:span text:style-name="T7">Machine Learning</text:span>
-               per il Natural Language Processing (
-              <text:span text:style-name="T7">NLP</text:span>
-              ) e avere come risultato un JSONL di questo tipo:
-            </text:p>
-            <text:p text:style-name="P6"/>
-          </draw:text-box>
-        </draw:frame>
-        <draw:frame presentation:style-name="pr21" draw:text-style-name="P6" draw:layer="layout" svg:width="5.592cm" svg:height="3.797cm" draw:transform="rotate (0.0005235987755982) translate (21.804cm 5.003cm)" presentation:class="outline" presentation:user-transformed="true">
-          <draw:text-box>
-            <text:p text:style-name="P4">
-              <text:span text:style-name="T4">Possiamo così </text:span>
-              <text:span text:style-name="T6">definire</text:span>
-              <text:span text:style-name="T4"> le label</text:span>
-            </text:p>
-          </draw:text-box>
-        </draw:frame>
-        <draw:frame draw:style-name="gr1" draw:text-style-name="P1" draw:layer="layout" svg:width="3.723cm" svg:height="3.6cm" draw:transform="rotate (-1.8277087926893) translate (24.428cm 6.915cm)">
+        <draw:custom-shape draw:style-name="gr6" draw:text-style-name="P11" draw:layer="layout" svg:width="27.001cm" svg:height="3.938cm" svg:x="0.401cm" svg:y="13.507cm">
+          <text:list text:style-name="L3">
+            <text:list-header>
+              <text:p text:style-name="P10">
+                <text:span text:style-name="T8">Utilizzando Doccano, strumento open-source per l'annotazione di testi, utile per creare dataset etichettati da utilizzare in modelli di Machine Learning per il Natural Language Processing (NLP) e avere come risultato un JSONL di questo tipo:</text:span>
+              </text:p>
+              <text:p text:style-name="P10">
+                <text:span text:style-name="T8"/>
+              </text:p>
+            </text:list-header>
+          </text:list>
+          <draw:enhanced-geometry svg:viewBox="0 0 21600 21600" draw:type="mso-spt202" draw:enhanced-path="M 0 0 L 21600 0 21600 21600 0 21600 0 0 Z N"/>
+        </draw:custom-shape>
+        <draw:custom-shape draw:style-name="gr7" draw:text-style-name="P11" draw:layer="layout" svg:width="5.592cm" svg:height="3.797cm" svg:x="21.806cm" svg:y="5.005cm">
+          <text:list text:style-name="L3">
+            <text:list-header>
+              <text:p text:style-name="P10">
+                <text:span text:style-name="T9">Possiamo così </text:span>
+                <text:span text:style-name="T10">definire</text:span>
+                <text:span text:style-name="T9"> le label</text:span>
+              </text:p>
+            </text:list-header>
+          </text:list>
+          <draw:enhanced-geometry svg:viewBox="0 0 21600 21600" draw:type="mso-spt202" draw:enhanced-path="M 0 0 L 21600 0 21600 21600 0 21600 0 0 Z N"/>
+        </draw:custom-shape>
+        <draw:frame draw:style-name="gr5" draw:text-style-name="P9" draw:layer="layout" svg:width="3.721cm" svg:height="3.599cm" draw:transform="rotate (-1.83259571459489) translate (24.439cm 6.928cm)">
           <draw:image xlink:href="Pictures/100002010000043B0000058322A56B1D.png" xlink:type="simple" xlink:show="embed" xlink:actuate="onLoad">
             <text:p/>
           </draw:image>
         </draw:frame>
-        <draw:frame draw:style-name="gr1" draw:text-style-name="P1" draw:layer="layout" svg:width="3.723cm" svg:height="3.6cm" draw:transform="rotate (-1.20986223748343) translate (12.285cm 3.646cm)">
+        <draw:frame draw:style-name="gr5" draw:text-style-name="P9" draw:layer="layout" svg:width="3.722cm" svg:height="3.599cm" draw:transform="rotate (-1.20427718387705) translate (12.275cm 3.637cm)">
           <draw:image xlink:href="Pictures/100002010000043B0000058322A56B1D.png" xlink:type="simple" xlink:show="embed" xlink:actuate="onLoad">
             <text:p/>
           </draw:image>
         </draw:frame>
-        <draw:frame presentation:style-name="pr21" draw:text-style-name="P6" draw:layer="layout" svg:width="5.592cm" svg:height="3.797cm" draw:transform="rotate (0.0005235987755982) translate (21.804cm 5.003cm)" presentation:class="outline" presentation:user-transformed="true">
-          <draw:text-box>
-            <text:p text:style-name="P4">
-              <text:span text:style-name="T4">Possiamo così </text:span>
-              <text:span text:style-name="T6">definire</text:span>
-              <text:span text:style-name="T4"> le label</text:span>
-            </text:p>
-          </draw:text-box>
-        </draw:frame>
-        <draw:frame presentation:style-name="pr21" draw:text-style-name="P6" draw:layer="layout" svg:width="5.592cm" svg:height="3.797cm" draw:transform="rotate (0.0005235987755982) translate (21.804cm 5.003cm)" presentation:class="outline" presentation:user-transformed="true">
-          <draw:text-box>
-            <text:p text:style-name="P4">
-              <text:span text:style-name="T4">Possiamo così </text:span>
-              <text:span text:style-name="T6">definire</text:span>
-              <text:span text:style-name="T4"> le label</text:span>
-            </text:p>
-          </draw:text-box>
-        </draw:frame>
-        <draw:frame presentation:style-name="pr21" draw:text-style-name="P6" draw:layer="layout" svg:width="5.592cm" svg:height="3.797cm" draw:transform="rotate (0.0005235987755982) translate (21.804cm 5.003cm)" presentation:class="outline" presentation:user-transformed="true">
-          <draw:text-box>
-            <text:p text:style-name="P4">
-              <text:span text:style-name="T4">Possiamo così </text:span>
-              <text:span text:style-name="T6">definire</text:span>
-              <text:span text:style-name="T4"> le label</text:span>
-            </text:p>
-          </draw:text-box>
-        </draw:frame>
-        <draw:frame presentation:style-name="pr21" draw:text-style-name="P6" draw:layer="layout" svg:width="5.592cm" svg:height="3.797cm" draw:transform="rotate (0.0005235987755982) translate (10cm 3.003cm)" presentation:class="outline" presentation:user-transformed="true">
-          <draw:text-box>
-            <text:p text:style-name="P4">
-              <text:span text:style-name="T4">Per il nostro testo</text:span>
-            </text:p>
-          </draw:text-box>
-        </draw:frame>
-        <draw:frame draw:style-name="gr5" draw:text-style-name="P1" draw:layer="layout" svg:width="27.2cm" svg:height="2.6cm" svg:x="0.201cm" svg:y="16.2cm">
+        <draw:custom-shape draw:style-name="gr8" draw:text-style-name="P11" draw:layer="layout" svg:width="5.592cm" svg:height="3.797cm" svg:x="21.806cm" svg:y="5.005cm">
+          <text:list text:style-name="L3">
+            <text:list-header>
+              <text:p text:style-name="P10">
+                <text:span text:style-name="T9">Possiamo così </text:span>
+                <text:span text:style-name="T10">definire</text:span>
+                <text:span text:style-name="T9"> le label</text:span>
+              </text:p>
+            </text:list-header>
+          </text:list>
+          <draw:enhanced-geometry svg:viewBox="0 0 21600 21600" draw:type="mso-spt202" draw:enhanced-path="M 0 0 L 21600 0 21600 21600 0 21600 0 0 Z N"/>
+        </draw:custom-shape>
+        <draw:custom-shape draw:style-name="gr9" draw:text-style-name="P11" draw:layer="layout" svg:width="5.592cm" svg:height="3.797cm" svg:x="21.806cm" svg:y="5.005cm">
+          <text:list text:style-name="L3">
+            <text:list-header>
+              <text:p text:style-name="P10">
+                <text:span text:style-name="T9">Possiamo così </text:span>
+                <text:span text:style-name="T10">definire</text:span>
+                <text:span text:style-name="T9"> le label</text:span>
+              </text:p>
+            </text:list-header>
+          </text:list>
+          <draw:enhanced-geometry svg:viewBox="0 0 21600 21600" draw:type="mso-spt202" draw:enhanced-path="M 0 0 L 21600 0 21600 21600 0 21600 0 0 Z N"/>
+        </draw:custom-shape>
+        <draw:custom-shape draw:style-name="gr10" draw:text-style-name="P11" draw:layer="layout" svg:width="5.592cm" svg:height="3.797cm" svg:x="21.806cm" svg:y="5.005cm">
+          <text:list text:style-name="L3">
+            <text:list-header>
+              <text:p text:style-name="P10">
+                <text:span text:style-name="T9">Possiamo così </text:span>
+                <text:span text:style-name="T10">definire</text:span>
+                <text:span text:style-name="T9"> le label</text:span>
+              </text:p>
+            </text:list-header>
+          </text:list>
+          <draw:enhanced-geometry svg:viewBox="0 0 21600 21600" draw:type="mso-spt202" draw:enhanced-path="M 0 0 L 21600 0 21600 21600 0 21600 0 0 Z N"/>
+        </draw:custom-shape>
+        <draw:custom-shape draw:style-name="gr11" draw:text-style-name="P11" draw:layer="layout" svg:width="5.592cm" svg:height="3.797cm" svg:x="10.001cm" svg:y="3.003cm">
+          <text:list text:style-name="L3">
+            <text:list-header>
+              <text:p text:style-name="P10">
+                <text:span text:style-name="T9">Per il nostro testo</text:span>
+              </text:p>
+            </text:list-header>
+          </text:list>
+          <draw:enhanced-geometry svg:viewBox="0 0 21600 21600" draw:type="mso-spt202" draw:enhanced-path="M 0 0 L 21600 0 21600 21600 0 21600 0 0 Z N"/>
+        </draw:custom-shape>
+        <draw:frame draw:style-name="gr5" draw:text-style-name="P9" draw:layer="layout" svg:width="27.199cm" svg:height="2.602cm" svg:x="0.203cm" svg:y="16.201cm">
           <draw:image xlink:href="Pictures/10000201000006EC0000006035A18DFB.png" xlink:type="simple" xlink:show="embed" xlink:actuate="onLoad">
             <text:p/>
           </draw:image>
         </draw:frame>
         <presentation:notes draw:style-name="dp2">
           <office:forms form:automatic-focus="false" form:apply-design-mode="false"/>
-          <draw:page-thumbnail draw:style-name="gr2" draw:layer="layout" svg:width="13.705cm" svg:height="10.279cm" svg:x="3.647cm" svg:y="2.853cm" draw:page-number="9" presentation:class="page"/>
-          <draw:frame presentation:style-name="pr4" draw:layer="layout" svg:width="14.517cm" svg:height="11.409cm" svg:x="3.249cm" svg:y="14.13cm" presentation:class="notes" presentation:placeholder="true">
+          <draw:page-thumbnail draw:layer="layout" svg:width="13.705cm" svg:height="10.279cm" svg:x="3.647cm" svg:y="2.853cm" draw:page-number="9" presentation:class="page"/>
+          <draw:frame presentation:style-name="pr20" draw:text-style-name="P12" draw:layer="layout" svg:width="14.517cm" svg:height="11.408cm" svg:x="3.249cm" svg:y="14.129cm" presentation:class="notes" presentation:placeholder="true">
+            <draw:text-box/>
+          </draw:frame>
+        </presentation:notes>
+      </draw:page>
+      <draw:page draw:name="page10" draw:style-name="dp1" draw:master-page-name="Titolo1" presentation:presentation-page-layout-name="AL1T1">
+        <office:forms form:automatic-focus="false" form:apply-design-mode="false"/>
+        <draw:frame presentation:style-name="pr21" draw:layer="layout" svg:width="12.542cm" svg:height="1.216cm" svg:x="7.6cm" svg:y="0.6cm" presentation:class="title" presentation:user-transformed="true">
+          <draw:text-box>
+            <text:p>WebApp per la gestione di CV</text:p>
+          </draw:text-box>
+        </draw:frame>
+        <draw:frame draw:style-name="gr12" draw:text-style-name="P1" draw:layer="layout" svg:width="24.6cm" svg:height="16.8cm" svg:x="1.8cm" svg:y="2cm">
+          <draw:image xlink:href="Pictures/100002010000060000000400C39603BF.png" xlink:type="simple" xlink:show="embed" xlink:actuate="onLoad">
+            <text:p/>
+          </draw:image>
+        </draw:frame>
+        <presentation:notes draw:style-name="dp2">
+          <office:forms form:automatic-focus="false" form:apply-design-mode="false"/>
+          <draw:page-thumbnail draw:style-name="gr2" draw:layer="layout" svg:width="13.701cm" svg:height="10.275cm" svg:x="3.646cm" svg:y="2.852cm" draw:page-number="10" presentation:class="page"/>
+          <draw:frame presentation:style-name="pr22" draw:layer="layout" svg:width="14.512cm" svg:height="11.403cm" svg:x="3.25cm" svg:y="14.128cm" presentation:class="notes" presentation:placeholder="true">
+            <draw:text-box/>
+          </draw:frame>
+        </presentation:notes>
+      </draw:page>
+      <draw:page draw:name="page11" draw:style-name="dp1" draw:master-page-name="Titolo1" presentation:presentation-page-layout-name="AL1T1">
+        <office:forms form:automatic-focus="false" form:apply-design-mode="false"/>
+        <draw:frame presentation:style-name="pr21" draw:layer="layout" svg:width="12.542cm" svg:height="1.216cm" svg:x="7.6cm" svg:y="0.6cm" presentation:class="title" presentation:user-transformed="true">
+          <draw:text-box>
+            <text:p>WebApp per la gestione di CV</text:p>
+          </draw:text-box>
+        </draw:frame>
+        <draw:frame draw:style-name="gr12" draw:text-style-name="P1" draw:layer="layout" svg:width="16.451cm" svg:height="14.729cm" svg:x="0.149cm" svg:y="2.071cm">
+          <draw:image xlink:href="Pictures/10000201000003B90000031CC9773FA0.png" xlink:type="simple" xlink:show="embed" xlink:actuate="onLoad">
+            <text:p/>
+          </draw:image>
+        </draw:frame>
+        <draw:frame draw:style-name="gr12" draw:text-style-name="P1" draw:layer="layout" svg:width="12.8cm" svg:height="11.929cm" svg:x="14.8cm" svg:y="7.471cm">
+          <draw:image xlink:href="Pictures/10000201000003850000029935372578.png" xlink:type="simple" xlink:show="embed" xlink:actuate="onLoad">
+            <text:p/>
+          </draw:image>
+        </draw:frame>
+        <draw:frame draw:style-name="gr1" draw:text-style-name="P1" draw:layer="layout" svg:width="4.801cm" svg:height="4.2cm" draw:transform="skewX (9.23326475009251E-017) rotate (0.507890812330254) translate (12cm 6.33cm)">
+          <draw:image xlink:href="Pictures/100002010000043B0000058322A56B1D.png" xlink:type="simple" xlink:show="embed" xlink:actuate="onLoad">
+            <text:p/>
+          </draw:image>
+        </draw:frame>
+        <draw:custom-shape draw:style-name="gr13" draw:text-style-name="P11" draw:layer="layout" svg:width="10.392cm" svg:height="3.797cm" svg:x="17cm" svg:y="3.2cm">
+          <text:list text:style-name="L3">
+            <text:list-header>
+              <text:p text:style-name="P10">
+                <text:span text:style-name="T9">Tramite il pulsante “</text:span>
+                <text:span text:style-name="T11">Visualizza Statistiche</text:span>
+                <text:span text:style-name="T9">”, ecco il risultato finale. </text:span>
+              </text:p>
+            </text:list-header>
+          </text:list>
+          <draw:enhanced-geometry svg:viewBox="0 0 21600 21600" draw:type="mso-spt202" draw:enhanced-path="M 0 0 L 21600 0 21600 21600 0 21600 0 0 Z N"/>
+        </draw:custom-shape>
+        <presentation:notes draw:style-name="dp2">
+          <office:forms form:automatic-focus="false" form:apply-design-mode="false"/>
+          <draw:page-thumbnail draw:style-name="gr2" draw:layer="layout" svg:width="13.701cm" svg:height="10.275cm" svg:x="3.646cm" svg:y="2.852cm" draw:page-number="11" presentation:class="page"/>
+          <draw:frame presentation:style-name="pr22" draw:text-style-name="P3" draw:layer="layout" svg:width="14.512cm" svg:height="11.403cm" svg:x="3.25cm" svg:y="14.128cm" presentation:class="notes" presentation:placeholder="true">
             <draw:text-box/>
           </draw:frame>
         </presentation:notes>
@@ -869,12 +1022,12 @@
   <office:meta>
     <meta:initial-creator>Corrado Simone</meta:initial-creator>
     <meta:creation-date>2025-01-31T15:54:30.68</meta:creation-date>
-    <meta:editing-duration>PT6H39M43S</meta:editing-duration>
-    <meta:editing-cycles>20</meta:editing-cycles>
-    <dc:date>2025-04-01T11:30:31.05</dc:date>
-    <dc:creator>Giuseppe Ruggiero</dc:creator>
+    <meta:editing-duration>P1DT9H1M32S</meta:editing-duration>
+    <meta:editing-cycles>13</meta:editing-cycles>
+    <dc:date>2025-04-07T11:19:36.74</dc:date>
+    <dc:creator>Corrado Simone</dc:creator>
     <meta:generator>OpenOffice/4.1.15$Win32 OpenOffice.org_project/4115m2$Build-9813</meta:generator>
-    <meta:document-statistic meta:object-count="118"/>
+    <meta:document-statistic meta:object-count="136"/>
   </office:meta>
 </office:document-meta>
 </file>
@@ -883,10 +1036,10 @@
 <office:document-settings xmlns:office="urn:oasis:names:tc:opendocument:xmlns:office:1.0" xmlns:xlink="http://www.w3.org/1999/xlink" xmlns:presentation="urn:oasis:names:tc:opendocument:xmlns:presentation:1.0" xmlns:config="urn:oasis:names:tc:opendocument:xmlns:config:1.0" xmlns:ooo="http://openoffice.org/2004/office" xmlns:smil="urn:oasis:names:tc:opendocument:xmlns:smil-compatible:1.0" xmlns:anim="urn:oasis:names:tc:opendocument:xmlns:animation:1.0" xmlns:officeooo="http://openoffice.org/2009/office" xmlns:drawooo="http://openoffice.org/2010/draw" office:version="1.2">
   <office:settings>
     <config:config-item-set config:name="ooo:view-settings">
-      <config:config-item config:name="VisibleAreaTop" config:type="int">-1731</config:config-item>
-      <config:config-item config:name="VisibleAreaLeft" config:type="int">-1339</config:config-item>
-      <config:config-item config:name="VisibleAreaWidth" config:type="int">32044</config:config-item>
-      <config:config-item config:name="VisibleAreaHeight" config:type="int">15352</config:config-item>
+      <config:config-item config:name="VisibleAreaTop" config:type="int">-1512</config:config-item>
+      <config:config-item config:name="VisibleAreaLeft" config:type="int">-10205</config:config-item>
+      <config:config-item config:name="VisibleAreaWidth" config:type="int">46756</config:config-item>
+      <config:config-item config:name="VisibleAreaHeight" config:type="int">22905</config:config-item>
       <config:config-item-map-indexed config:name="Views">
         <config:config-item-map-entry>
           <config:config-item config:name="ViewId" config:type="string">view1</config:config-item>
@@ -908,7 +1061,7 @@
           <config:config-item config:name="NoColors" config:type="boolean">true</config:config-item>
           <config:config-item config:name="RulerIsVisible" config:type="boolean">false</config:config-item>
           <config:config-item config:name="PageKind" config:type="short">0</config:config-item>
-          <config:config-item config:name="SelectedPage" config:type="short">8</config:config-item>
+          <config:config-item config:name="SelectedPage" config:type="short">9</config:config-item>
           <config:config-item config:name="IsLayerMode" config:type="boolean">false</config:config-item>
           <config:config-item config:name="IsBigHandles" config:type="boolean">true</config:config-item>
           <config:config-item config:name="IsDoubleClickTextEdit" config:type="boolean">true</config:config-item>
@@ -917,10 +1070,10 @@
           <config:config-item config:name="EditModeStandard" config:type="int">0</config:config-item>
           <config:config-item config:name="EditModeNotes" config:type="int">0</config:config-item>
           <config:config-item config:name="EditModeHandout" config:type="int">1</config:config-item>
-          <config:config-item config:name="VisibleAreaTop" config:type="int">-1731</config:config-item>
-          <config:config-item config:name="VisibleAreaLeft" config:type="int">-1339</config:config-item>
-          <config:config-item config:name="VisibleAreaWidth" config:type="int">32045</config:config-item>
-          <config:config-item config:name="VisibleAreaHeight" config:type="int">15353</config:config-item>
+          <config:config-item config:name="VisibleAreaTop" config:type="int">-1512</config:config-item>
+          <config:config-item config:name="VisibleAreaLeft" config:type="int">-10205</config:config-item>
+          <config:config-item config:name="VisibleAreaWidth" config:type="int">46757</config:config-item>
+          <config:config-item config:name="VisibleAreaHeight" config:type="int">22906</config:config-item>
           <config:config-item config:name="GridCoarseWidth" config:type="int">2000</config:config-item>
           <config:config-item config:name="GridCoarseHeight" config:type="int">2000</config:config-item>
           <config:config-item config:name="GridFineWidth" config:type="int">200</config:config-item>
@@ -1854,6 +2007,534 @@
       <style:paragraph-properties fo:text-align="start"/>
       <style:text-properties fo:color="#ff9966" style:text-outline="false" style:text-line-through-style="none" fo:font-family="Albany" style:font-style-name="Fett Kursiv" style:font-family-generic="swiss" style:font-pitch="variable" fo:font-size="24pt" fo:font-style="italic" fo:text-shadow="none" style:text-underline-style="none" fo:font-weight="bold" style:font-size-asian="24pt" style:font-size-complex="24pt"/>
     </style:style>
+    <style:style style:name="Titolo1-background" style:family="presentation">
+      <style:graphic-properties draw:stroke="none" draw:fill="solid" draw:fill-color="#003366" draw:textarea-horizontal-align="center" draw:textarea-vertical-align="middle" draw:shadow-color="#808080"/>
+      <style:paragraph-properties fo:text-align="center"/>
+    </style:style>
+    <style:style style:name="Titolo1-backgroundobjects" style:family="presentation">
+      <style:graphic-properties draw:textarea-horizontal-align="justify" draw:shadow="hidden" draw:shadow-offset-x="0.2cm" draw:shadow-offset-y="0.2cm" draw:shadow-color="#808080"/>
+      <style:text-properties style:letter-kerning="true"/>
+    </style:style>
+    <style:style style:name="Titolo1-notes" style:family="presentation">
+      <style:graphic-properties draw:stroke="none" draw:fill="none">
+        <text:list-style style:name="Titolo1-notes">
+          <text:list-level-style-number text:level="1" style:num-format="">
+            <style:list-level-properties/>
+            <style:text-properties fo:color="#000000" fo:font-size="100%"/>
+          </text:list-level-style-number>
+          <text:list-level-style-bullet text:level="2" text:bullet-char="–">
+            <style:list-level-properties text:space-before="1.27cm" text:min-label-width="0.793cm"/>
+            <style:text-properties fo:font-family="'Times New Roman'" style:font-family-generic="roman" style:font-pitch="variable" fo:color="#000000" fo:font-size="100%"/>
+          </text:list-level-style-bullet>
+          <text:list-level-style-bullet text:level="3" text:bullet-char="•">
+            <style:list-level-properties text:space-before="2.54cm" text:min-label-width="0.635cm"/>
+            <style:text-properties fo:font-family="'Times New Roman'" style:font-family-generic="roman" style:font-pitch="variable" fo:color="#000000" fo:font-size="100%"/>
+          </text:list-level-style-bullet>
+          <text:list-level-style-bullet text:level="4" text:bullet-char="–">
+            <style:list-level-properties text:space-before="3.81cm" text:min-label-width="0.635cm"/>
+            <style:text-properties fo:font-family="'Times New Roman'" style:font-family-generic="roman" style:font-pitch="variable" fo:color="#000000" fo:font-size="100%"/>
+          </text:list-level-style-bullet>
+          <text:list-level-style-bullet text:level="5" text:bullet-char="»">
+            <style:list-level-properties text:space-before="5.08cm" text:min-label-width="0.635cm"/>
+            <style:text-properties fo:font-family="'Times New Roman'" style:font-family-generic="roman" style:font-pitch="variable" fo:color="#000000" fo:font-size="100%"/>
+          </text:list-level-style-bullet>
+          <text:list-level-style-bullet text:level="6" text:bullet-char="»">
+            <style:list-level-properties text:space-before="5.08cm" text:min-label-width="0.635cm"/>
+            <style:text-properties fo:font-family="'Times New Roman'" style:font-family-generic="roman" style:font-pitch="variable" fo:color="#000000" fo:font-size="100%"/>
+          </text:list-level-style-bullet>
+          <text:list-level-style-bullet text:level="7" text:bullet-char="»">
+            <style:list-level-properties text:space-before="5.08cm" text:min-label-width="0.635cm"/>
+            <style:text-properties fo:font-family="'Times New Roman'" style:font-family-generic="roman" style:font-pitch="variable" fo:color="#000000" fo:font-size="100%"/>
+          </text:list-level-style-bullet>
+          <text:list-level-style-bullet text:level="8" text:bullet-char="»">
+            <style:list-level-properties text:space-before="5.08cm" text:min-label-width="0.635cm"/>
+            <style:text-properties fo:font-family="'Times New Roman'" style:font-family-generic="roman" style:font-pitch="variable" fo:color="#000000" fo:font-size="100%"/>
+          </text:list-level-style-bullet>
+          <text:list-level-style-bullet text:level="9" text:bullet-char="»">
+            <style:list-level-properties text:space-before="5.08cm" text:min-label-width="0.635cm"/>
+            <style:text-properties fo:font-family="'Times New Roman'" style:font-family-generic="roman" style:font-pitch="variable" fo:color="#000000" fo:font-size="100%"/>
+          </text:list-level-style-bullet>
+          <text:list-level-style-bullet text:level="10" text:bullet-char="»">
+            <style:list-level-properties text:space-before="5.08cm" text:min-label-width="0.635cm"/>
+            <style:text-properties fo:font-family="'Times New Roman'" style:font-family-generic="roman" style:font-pitch="variable" fo:color="#000000" fo:font-size="100%"/>
+          </text:list-level-style-bullet>
+        </text:list-style>
+      </style:graphic-properties>
+      <style:paragraph-properties fo:margin-left="0cm" fo:margin-right="0cm" fo:margin-top="0.158cm" fo:margin-bottom="0cm" fo:line-height="100%" fo:text-align="start" fo:text-indent="0cm" style:punctuation-wrap="simple" style:line-break="normal" style:writing-mode="lr-tb" style:font-independent-line-spacing="true">
+        <style:tab-stops>
+          <style:tab-stop style:position="0cm"/>
+          <style:tab-stop style:position="1.247cm"/>
+          <style:tab-stop style:position="2.495cm"/>
+          <style:tab-stop style:position="3.743cm"/>
+          <style:tab-stop style:position="4.991cm"/>
+          <style:tab-stop style:position="6.239cm"/>
+          <style:tab-stop style:position="7.487cm"/>
+          <style:tab-stop style:position="8.735cm"/>
+          <style:tab-stop style:position="9.983cm"/>
+          <style:tab-stop style:position="11.231cm"/>
+          <style:tab-stop style:position="12.479cm"/>
+          <style:tab-stop style:position="13.727cm"/>
+          <style:tab-stop style:position="14.975cm"/>
+          <style:tab-stop style:position="16.223cm"/>
+          <style:tab-stop style:position="17.471cm"/>
+          <style:tab-stop style:position="18.719cm"/>
+          <style:tab-stop style:position="19.967cm"/>
+          <style:tab-stop style:position="21.215cm"/>
+          <style:tab-stop style:position="22.463cm"/>
+          <style:tab-stop style:position="23.711cm"/>
+          <style:tab-stop style:position="24.959cm"/>
+        </style:tab-stops>
+      </style:paragraph-properties>
+      <style:text-properties fo:color="#000000" style:text-outline="false" style:text-line-through-style="none" style:text-position="0% 100%" fo:font-family="'Times New Roman'" style:font-family-generic="roman" style:font-pitch="variable" fo:font-size="24pt" fo:font-style="normal" fo:text-shadow="none" style:text-underline-style="none" fo:font-weight="normal" style:letter-kerning="true" style:font-family-asian="'Microsoft YaHei'" style:font-family-generic-asian="system" style:font-pitch-asian="variable" style:font-size-asian="24pt" style:font-style-asian="normal" style:font-weight-asian="normal" style:font-family-complex="Arial" style:font-family-generic-complex="system" style:font-pitch-complex="variable" style:font-size-complex="24pt" style:font-style-complex="normal" style:font-weight-complex="normal" style:text-emphasize="none" style:font-relief="none" style:text-overline-style="none" style:text-overline-color="font-color"/>
+    </style:style>
+    <style:style style:name="Titolo1-outline1" style:family="presentation">
+      <style:graphic-properties draw:stroke="none" draw:fill="none" draw:textarea-horizontal-align="left" draw:textarea-vertical-align="top" fo:padding-top="0.042cm" fo:padding-bottom="0cm" fo:padding-left="0cm" fo:padding-right="0cm">
+        <text:list-style style:name="Titolo1-outline1">
+          <text:list-level-style-number text:level="1" style:num-format="">
+            <style:list-level-properties/>
+            <style:text-properties fo:color="#000000" fo:font-size="100%"/>
+          </text:list-level-style-number>
+          <text:list-level-style-bullet text:level="2" text:bullet-char="–">
+            <style:list-level-properties text:space-before="1.27cm" text:min-label-width="0.793cm"/>
+            <style:text-properties fo:font-family="'Times New Roman'" style:font-family-generic="roman" style:font-pitch="variable" fo:color="#000000" fo:font-size="100%"/>
+          </text:list-level-style-bullet>
+          <text:list-level-style-bullet text:level="3" text:bullet-char="•">
+            <style:list-level-properties text:space-before="2.54cm" text:min-label-width="0.635cm"/>
+            <style:text-properties fo:font-family="'Times New Roman'" style:font-family-generic="roman" style:font-pitch="variable" fo:color="#000000" fo:font-size="100%"/>
+          </text:list-level-style-bullet>
+          <text:list-level-style-bullet text:level="4" text:bullet-char="–">
+            <style:list-level-properties text:space-before="3.81cm" text:min-label-width="0.635cm"/>
+            <style:text-properties fo:font-family="'Times New Roman'" style:font-family-generic="roman" style:font-pitch="variable" fo:color="#000000" fo:font-size="100%"/>
+          </text:list-level-style-bullet>
+          <text:list-level-style-bullet text:level="5" text:bullet-char="»">
+            <style:list-level-properties text:space-before="5.08cm" text:min-label-width="0.635cm"/>
+            <style:text-properties fo:font-family="'Times New Roman'" style:font-family-generic="roman" style:font-pitch="variable" fo:color="#000000" fo:font-size="100%"/>
+          </text:list-level-style-bullet>
+          <text:list-level-style-bullet text:level="6" text:bullet-char="»">
+            <style:list-level-properties text:space-before="5.08cm" text:min-label-width="0.635cm"/>
+            <style:text-properties fo:font-family="'Times New Roman'" style:font-family-generic="roman" style:font-pitch="variable" fo:color="#000000" fo:font-size="100%"/>
+          </text:list-level-style-bullet>
+          <text:list-level-style-bullet text:level="7" text:bullet-char="»">
+            <style:list-level-properties text:space-before="5.08cm" text:min-label-width="0.635cm"/>
+            <style:text-properties fo:font-family="'Times New Roman'" style:font-family-generic="roman" style:font-pitch="variable" fo:color="#000000" fo:font-size="100%"/>
+          </text:list-level-style-bullet>
+          <text:list-level-style-bullet text:level="8" text:bullet-char="»">
+            <style:list-level-properties text:space-before="5.08cm" text:min-label-width="0.635cm"/>
+            <style:text-properties fo:font-family="'Times New Roman'" style:font-family-generic="roman" style:font-pitch="variable" fo:color="#000000" fo:font-size="100%"/>
+          </text:list-level-style-bullet>
+          <text:list-level-style-bullet text:level="9" text:bullet-char="»">
+            <style:list-level-properties text:space-before="5.08cm" text:min-label-width="0.635cm"/>
+            <style:text-properties fo:font-family="'Times New Roman'" style:font-family-generic="roman" style:font-pitch="variable" fo:color="#000000" fo:font-size="100%"/>
+          </text:list-level-style-bullet>
+          <text:list-level-style-bullet text:level="10" text:bullet-char="»">
+            <style:list-level-properties text:space-before="5.08cm" text:min-label-width="0.635cm"/>
+            <style:text-properties fo:font-family="'Times New Roman'" style:font-family-generic="roman" style:font-pitch="variable" fo:color="#000000" fo:font-size="100%"/>
+          </text:list-level-style-bullet>
+        </text:list-style>
+      </style:graphic-properties>
+      <style:paragraph-properties fo:margin-left="0.952cm" fo:margin-right="0cm" fo:margin-top="0cm" fo:margin-bottom="0.501cm" fo:line-height="95%" fo:text-align="start" fo:text-indent="-0.952cm" style:punctuation-wrap="simple" style:line-break="strict" style:writing-mode="lr-tb" style:font-independent-line-spacing="true">
+        <style:tab-stops>
+          <style:tab-stop style:position="0cm"/>
+          <style:tab-stop style:position="0.295cm"/>
+          <style:tab-stop style:position="1.543cm"/>
+          <style:tab-stop style:position="2.791cm"/>
+          <style:tab-stop style:position="4.039cm"/>
+          <style:tab-stop style:position="5.287cm"/>
+          <style:tab-stop style:position="6.535cm"/>
+          <style:tab-stop style:position="7.783cm"/>
+          <style:tab-stop style:position="9.031cm"/>
+          <style:tab-stop style:position="10.279cm"/>
+          <style:tab-stop style:position="11.527cm"/>
+          <style:tab-stop style:position="12.774cm"/>
+          <style:tab-stop style:position="14.022cm"/>
+          <style:tab-stop style:position="15.27cm"/>
+          <style:tab-stop style:position="16.518cm"/>
+          <style:tab-stop style:position="17.766cm"/>
+          <style:tab-stop style:position="19.014cm"/>
+          <style:tab-stop style:position="20.262cm"/>
+          <style:tab-stop style:position="21.51cm"/>
+          <style:tab-stop style:position="22.758cm"/>
+          <style:tab-stop style:position="24.006cm"/>
+        </style:tab-stops>
+      </style:paragraph-properties>
+      <style:text-properties fo:color="#e6e6e6" style:text-outline="false" style:text-line-through-style="none" style:text-position="0% 100%" fo:font-family="'Times New Roman'" style:font-family-generic="roman" style:font-pitch="variable" fo:font-size="24pt" fo:font-style="normal" fo:text-shadow="none" style:text-underline-style="none" fo:font-weight="normal" style:letter-kerning="true" style:font-family-asian="'Lucida Sans Unicode'" style:font-pitch-asian="variable" style:font-size-asian="24pt" style:font-style-asian="normal" style:font-weight-asian="normal" style:font-family-complex="'Lucida Sans Unicode'" style:font-pitch-complex="variable" style:font-size-complex="24pt" style:font-style-complex="normal" style:font-weight-complex="normal" style:text-emphasize="none" style:font-relief="none" style:text-overline-style="none" style:text-overline-color="font-color"/>
+    </style:style>
+    <style:style style:name="Titolo1-outline2" style:family="presentation" style:parent-style-name="Titolo1-outline1">
+      <style:graphic-properties>
+        <text:list-style style:name="Titolo1-outline2">
+          <text:list-level-style-bullet text:level="1" text:bullet-char="»">
+            <style:list-level-properties text:space-before="5.08cm" text:min-label-width="0.635cm"/>
+            <style:text-properties fo:font-family="'Times New Roman'" style:font-family-generic="roman" style:font-pitch="variable" fo:color="#000000" fo:font-size="100%"/>
+          </text:list-level-style-bullet>
+          <text:list-level-style-number text:level="2" style:num-format="">
+            <style:list-level-properties/>
+            <style:text-properties fo:color="#000000" fo:font-size="100%"/>
+          </text:list-level-style-number>
+          <text:list-level-style-bullet text:level="3" text:bullet-char="•">
+            <style:list-level-properties text:space-before="2.54cm" text:min-label-width="0.635cm"/>
+            <style:text-properties fo:font-family="'Times New Roman'" style:font-family-generic="roman" style:font-pitch="variable" fo:color="#000000" fo:font-size="100%"/>
+          </text:list-level-style-bullet>
+          <text:list-level-style-bullet text:level="4" text:bullet-char="–">
+            <style:list-level-properties text:space-before="3.81cm" text:min-label-width="0.635cm"/>
+            <style:text-properties fo:font-family="'Times New Roman'" style:font-family-generic="roman" style:font-pitch="variable" fo:color="#000000" fo:font-size="100%"/>
+          </text:list-level-style-bullet>
+          <text:list-level-style-bullet text:level="5" text:bullet-char="»">
+            <style:list-level-properties text:space-before="5.08cm" text:min-label-width="0.635cm"/>
+            <style:text-properties fo:font-family="'Times New Roman'" style:font-family-generic="roman" style:font-pitch="variable" fo:color="#000000" fo:font-size="100%"/>
+          </text:list-level-style-bullet>
+          <text:list-level-style-bullet text:level="6" text:bullet-char="»">
+            <style:list-level-properties text:space-before="5.08cm" text:min-label-width="0.635cm"/>
+            <style:text-properties fo:font-family="'Times New Roman'" style:font-family-generic="roman" style:font-pitch="variable" fo:color="#000000" fo:font-size="100%"/>
+          </text:list-level-style-bullet>
+          <text:list-level-style-bullet text:level="7" text:bullet-char="»">
+            <style:list-level-properties text:space-before="5.08cm" text:min-label-width="0.635cm"/>
+            <style:text-properties fo:font-family="'Times New Roman'" style:font-family-generic="roman" style:font-pitch="variable" fo:color="#000000" fo:font-size="100%"/>
+          </text:list-level-style-bullet>
+          <text:list-level-style-bullet text:level="8" text:bullet-char="»">
+            <style:list-level-properties text:space-before="5.08cm" text:min-label-width="0.635cm"/>
+            <style:text-properties fo:font-family="'Times New Roman'" style:font-family-generic="roman" style:font-pitch="variable" fo:color="#000000" fo:font-size="100%"/>
+          </text:list-level-style-bullet>
+          <text:list-level-style-bullet text:level="9" text:bullet-char="»">
+            <style:list-level-properties text:space-before="5.08cm" text:min-label-width="0.635cm"/>
+            <style:text-properties fo:font-family="'Times New Roman'" style:font-family-generic="roman" style:font-pitch="variable" fo:color="#000000" fo:font-size="100%"/>
+          </text:list-level-style-bullet>
+          <text:list-level-style-bullet text:level="10" text:bullet-char="»">
+            <style:list-level-properties text:space-before="5.08cm" text:min-label-width="0.635cm"/>
+            <style:text-properties fo:font-family="'Times New Roman'" style:font-family-generic="roman" style:font-pitch="variable" fo:color="#000000" fo:font-size="100%"/>
+          </text:list-level-style-bullet>
+        </text:list-style>
+      </style:graphic-properties>
+      <style:paragraph-properties fo:margin-left="2.063cm" fo:margin-right="0cm" fo:margin-top="0cm" fo:margin-bottom="0.401cm" fo:line-height="95%" fo:text-align="start" fo:text-indent="-0.793cm" style:punctuation-wrap="simple" style:line-break="strict" style:writing-mode="lr-tb" style:font-independent-line-spacing="true">
+        <style:tab-stops>
+          <style:tab-stop style:position="0cm"/>
+          <style:tab-stop style:position="0.432cm"/>
+          <style:tab-stop style:position="1.68cm"/>
+          <style:tab-stop style:position="2.928cm"/>
+          <style:tab-stop style:position="4.176cm"/>
+          <style:tab-stop style:position="5.423cm"/>
+          <style:tab-stop style:position="6.671cm"/>
+          <style:tab-stop style:position="7.919cm"/>
+          <style:tab-stop style:position="9.167cm"/>
+          <style:tab-stop style:position="10.415cm"/>
+          <style:tab-stop style:position="11.663cm"/>
+          <style:tab-stop style:position="12.911cm"/>
+          <style:tab-stop style:position="14.159cm"/>
+          <style:tab-stop style:position="15.407cm"/>
+          <style:tab-stop style:position="16.655cm"/>
+          <style:tab-stop style:position="17.903cm"/>
+          <style:tab-stop style:position="19.151cm"/>
+          <style:tab-stop style:position="20.399cm"/>
+          <style:tab-stop style:position="21.647cm"/>
+          <style:tab-stop style:position="22.895cm"/>
+          <style:tab-stop style:position="24.143cm"/>
+        </style:tab-stops>
+      </style:paragraph-properties>
+      <style:text-properties fo:color="#e6e6e6" style:text-line-through-style="none" style:text-position="0% 100%" fo:font-family="'Times New Roman'" style:font-family-generic="roman" style:font-pitch="variable" fo:font-size="28pt" fo:font-style="normal" fo:text-shadow="none" style:text-underline-style="none" fo:font-weight="normal" style:font-family-asian="'Lucida Sans Unicode'" style:font-pitch-asian="variable" style:font-size-asian="28pt" style:font-style-asian="normal" style:font-weight-asian="normal" style:font-family-complex="'Lucida Sans Unicode'" style:font-pitch-complex="variable" style:font-size-complex="28pt" style:font-style-complex="normal" style:font-weight-complex="normal" style:font-relief="none"/>
+    </style:style>
+    <style:style style:name="Titolo1-outline3" style:family="presentation" style:parent-style-name="Titolo1-outline2">
+      <style:paragraph-properties fo:margin-left="3.175cm" fo:margin-right="0cm" fo:margin-top="0cm" fo:margin-bottom="0.299cm" fo:line-height="95%" fo:text-align="start" fo:text-indent="-0.635cm" style:punctuation-wrap="simple" style:line-break="strict" style:writing-mode="lr-tb" style:font-independent-line-spacing="true">
+        <style:tab-stops>
+          <style:tab-stop style:position="0cm"/>
+          <style:tab-stop style:position="0.568cm"/>
+          <style:tab-stop style:position="1.816cm"/>
+          <style:tab-stop style:position="3.064cm"/>
+          <style:tab-stop style:position="4.312cm"/>
+          <style:tab-stop style:position="5.56cm"/>
+          <style:tab-stop style:position="6.808cm"/>
+          <style:tab-stop style:position="8.056cm"/>
+          <style:tab-stop style:position="9.304cm"/>
+          <style:tab-stop style:position="10.552cm"/>
+          <style:tab-stop style:position="11.8cm"/>
+          <style:tab-stop style:position="13.048cm"/>
+          <style:tab-stop style:position="14.296cm"/>
+          <style:tab-stop style:position="15.544cm"/>
+          <style:tab-stop style:position="16.792cm"/>
+          <style:tab-stop style:position="18.04cm"/>
+          <style:tab-stop style:position="19.288cm"/>
+          <style:tab-stop style:position="20.536cm"/>
+          <style:tab-stop style:position="21.784cm"/>
+          <style:tab-stop style:position="23.031cm"/>
+          <style:tab-stop style:position="24.279cm"/>
+        </style:tab-stops>
+      </style:paragraph-properties>
+      <style:text-properties fo:color="#e6e6e6" style:text-line-through-style="none" style:text-position="0% 100%" fo:font-family="'Times New Roman'" style:font-family-generic="roman" style:font-pitch="variable" fo:font-size="24pt" fo:font-style="normal" fo:text-shadow="none" style:text-underline-style="none" fo:font-weight="normal" style:font-family-asian="'Lucida Sans Unicode'" style:font-pitch-asian="variable" style:font-size-asian="24pt" style:font-style-asian="normal" style:font-weight-asian="normal" style:font-family-complex="'Lucida Sans Unicode'" style:font-pitch-complex="variable" style:font-size-complex="24pt" style:font-style-complex="normal" style:font-weight-complex="normal" style:font-relief="none"/>
+    </style:style>
+    <style:style style:name="Titolo1-outline4" style:family="presentation" style:parent-style-name="Titolo1-outline3">
+      <style:paragraph-properties fo:margin-left="4.445cm" fo:margin-right="0cm" fo:margin-top="0cm" fo:margin-bottom="0.202cm" fo:line-height="95%" fo:text-align="start" fo:text-indent="-0.635cm" style:punctuation-wrap="simple" style:line-break="strict" style:writing-mode="lr-tb" style:font-independent-line-spacing="true">
+        <style:tab-stops>
+          <style:tab-stop style:position="0cm"/>
+          <style:tab-stop style:position="0.546cm"/>
+          <style:tab-stop style:position="1.794cm"/>
+          <style:tab-stop style:position="3.042cm"/>
+          <style:tab-stop style:position="4.29cm"/>
+          <style:tab-stop style:position="5.538cm"/>
+          <style:tab-stop style:position="6.786cm"/>
+          <style:tab-stop style:position="8.034cm"/>
+          <style:tab-stop style:position="9.282cm"/>
+          <style:tab-stop style:position="10.53cm"/>
+          <style:tab-stop style:position="11.778cm"/>
+          <style:tab-stop style:position="13.026cm"/>
+          <style:tab-stop style:position="14.274cm"/>
+          <style:tab-stop style:position="15.522cm"/>
+          <style:tab-stop style:position="16.77cm"/>
+          <style:tab-stop style:position="18.018cm"/>
+          <style:tab-stop style:position="19.266cm"/>
+          <style:tab-stop style:position="20.514cm"/>
+          <style:tab-stop style:position="21.761cm"/>
+          <style:tab-stop style:position="23.009cm"/>
+          <style:tab-stop style:position="24.257cm"/>
+        </style:tab-stops>
+      </style:paragraph-properties>
+      <style:text-properties fo:color="#e6e6e6" style:text-line-through-style="none" style:text-position="0% 100%" fo:font-family="'Times New Roman'" style:font-family-generic="roman" style:font-pitch="variable" fo:font-size="20pt" fo:font-style="normal" fo:text-shadow="none" style:text-underline-style="none" fo:font-weight="normal" style:font-family-asian="'Lucida Sans Unicode'" style:font-pitch-asian="variable" style:font-size-asian="20pt" style:font-style-asian="normal" style:font-weight-asian="normal" style:font-family-complex="'Lucida Sans Unicode'" style:font-pitch-complex="variable" style:font-size-complex="20pt" style:font-style-complex="normal" style:font-weight-complex="normal" style:font-relief="none"/>
+    </style:style>
+    <style:style style:name="Titolo1-outline5" style:family="presentation" style:parent-style-name="Titolo1-outline4">
+      <style:paragraph-properties fo:margin-left="5.715cm" fo:margin-right="0cm" fo:margin-top="0cm" fo:margin-bottom="0.101cm" fo:line-height="95%" fo:text-align="start" fo:text-indent="-0.635cm" style:punctuation-wrap="simple" style:line-break="strict" style:writing-mode="lr-tb" style:font-independent-line-spacing="true">
+        <style:tab-stops>
+          <style:tab-stop style:position="0cm"/>
+          <style:tab-stop style:position="0.524cm"/>
+          <style:tab-stop style:position="1.772cm"/>
+          <style:tab-stop style:position="3.02cm"/>
+          <style:tab-stop style:position="4.268cm"/>
+          <style:tab-stop style:position="5.516cm"/>
+          <style:tab-stop style:position="6.764cm"/>
+          <style:tab-stop style:position="8.012cm"/>
+          <style:tab-stop style:position="9.26cm"/>
+          <style:tab-stop style:position="10.508cm"/>
+          <style:tab-stop style:position="11.756cm"/>
+          <style:tab-stop style:position="13.004cm"/>
+          <style:tab-stop style:position="14.252cm"/>
+          <style:tab-stop style:position="15.5cm"/>
+          <style:tab-stop style:position="16.748cm"/>
+          <style:tab-stop style:position="17.996cm"/>
+          <style:tab-stop style:position="19.244cm"/>
+          <style:tab-stop style:position="20.491cm"/>
+          <style:tab-stop style:position="21.739cm"/>
+          <style:tab-stop style:position="22.987cm"/>
+          <style:tab-stop style:position="24.235cm"/>
+        </style:tab-stops>
+      </style:paragraph-properties>
+      <style:text-properties fo:color="#e6e6e6" style:text-line-through-style="none" style:text-position="0% 100%" fo:font-family="'Times New Roman'" style:font-family-generic="roman" style:font-pitch="variable" fo:font-size="20pt" fo:font-style="normal" fo:text-shadow="none" style:text-underline-style="none" fo:font-weight="normal" style:font-family-asian="'Lucida Sans Unicode'" style:font-pitch-asian="variable" style:font-size-asian="20pt" style:font-style-asian="normal" style:font-weight-asian="normal" style:font-family-complex="'Lucida Sans Unicode'" style:font-pitch-complex="variable" style:font-size-complex="20pt" style:font-style-complex="normal" style:font-weight-complex="normal" style:font-relief="none"/>
+    </style:style>
+    <style:style style:name="Titolo1-outline6" style:family="presentation" style:parent-style-name="Titolo1-outline5">
+      <style:paragraph-properties fo:margin-left="5.715cm" fo:margin-right="0cm" fo:margin-top="0cm" fo:margin-bottom="0.101cm" fo:line-height="95%" fo:text-align="start" fo:text-indent="-0.635cm" style:punctuation-wrap="simple" style:line-break="strict" style:writing-mode="lr-tb" style:font-independent-line-spacing="true">
+        <style:tab-stops>
+          <style:tab-stop style:position="0cm"/>
+          <style:tab-stop style:position="0.524cm"/>
+          <style:tab-stop style:position="1.772cm"/>
+          <style:tab-stop style:position="3.02cm"/>
+          <style:tab-stop style:position="4.268cm"/>
+          <style:tab-stop style:position="5.516cm"/>
+          <style:tab-stop style:position="6.764cm"/>
+          <style:tab-stop style:position="8.012cm"/>
+          <style:tab-stop style:position="9.26cm"/>
+          <style:tab-stop style:position="10.508cm"/>
+          <style:tab-stop style:position="11.756cm"/>
+          <style:tab-stop style:position="13.004cm"/>
+          <style:tab-stop style:position="14.252cm"/>
+          <style:tab-stop style:position="15.5cm"/>
+          <style:tab-stop style:position="16.748cm"/>
+          <style:tab-stop style:position="17.996cm"/>
+          <style:tab-stop style:position="19.244cm"/>
+          <style:tab-stop style:position="20.491cm"/>
+          <style:tab-stop style:position="21.739cm"/>
+          <style:tab-stop style:position="22.987cm"/>
+          <style:tab-stop style:position="24.235cm"/>
+        </style:tab-stops>
+      </style:paragraph-properties>
+      <style:text-properties fo:color="#e6e6e6" style:text-line-through-style="none" style:text-position="0% 100%" fo:font-family="'Times New Roman'" style:font-family-generic="roman" style:font-pitch="variable" fo:font-size="20pt" fo:font-style="normal" fo:text-shadow="none" style:text-underline-style="none" fo:font-weight="normal" style:font-family-asian="'Lucida Sans Unicode'" style:font-pitch-asian="variable" style:font-size-asian="20pt" style:font-style-asian="normal" style:font-weight-asian="normal" style:font-family-complex="'Lucida Sans Unicode'" style:font-pitch-complex="variable" style:font-size-complex="20pt" style:font-style-complex="normal" style:font-weight-complex="normal" style:font-relief="none"/>
+    </style:style>
+    <style:style style:name="Titolo1-outline7" style:family="presentation" style:parent-style-name="Titolo1-outline6">
+      <style:paragraph-properties fo:margin-left="5.715cm" fo:margin-right="0cm" fo:margin-top="0cm" fo:margin-bottom="0.101cm" fo:line-height="95%" fo:text-align="start" fo:text-indent="-0.635cm" style:punctuation-wrap="simple" style:line-break="strict" style:writing-mode="lr-tb" style:font-independent-line-spacing="true">
+        <style:tab-stops>
+          <style:tab-stop style:position="0cm"/>
+          <style:tab-stop style:position="0.524cm"/>
+          <style:tab-stop style:position="1.772cm"/>
+          <style:tab-stop style:position="3.02cm"/>
+          <style:tab-stop style:position="4.268cm"/>
+          <style:tab-stop style:position="5.516cm"/>
+          <style:tab-stop style:position="6.764cm"/>
+          <style:tab-stop style:position="8.012cm"/>
+          <style:tab-stop style:position="9.26cm"/>
+          <style:tab-stop style:position="10.508cm"/>
+          <style:tab-stop style:position="11.756cm"/>
+          <style:tab-stop style:position="13.004cm"/>
+          <style:tab-stop style:position="14.252cm"/>
+          <style:tab-stop style:position="15.5cm"/>
+          <style:tab-stop style:position="16.748cm"/>
+          <style:tab-stop style:position="17.996cm"/>
+          <style:tab-stop style:position="19.244cm"/>
+          <style:tab-stop style:position="20.491cm"/>
+          <style:tab-stop style:position="21.739cm"/>
+          <style:tab-stop style:position="22.987cm"/>
+          <style:tab-stop style:position="24.235cm"/>
+        </style:tab-stops>
+      </style:paragraph-properties>
+      <style:text-properties fo:color="#e6e6e6" style:text-line-through-style="none" style:text-position="0% 100%" fo:font-family="'Times New Roman'" style:font-family-generic="roman" style:font-pitch="variable" fo:font-size="20pt" fo:font-style="normal" fo:text-shadow="none" style:text-underline-style="none" fo:font-weight="normal" style:font-family-asian="'Lucida Sans Unicode'" style:font-pitch-asian="variable" style:font-size-asian="20pt" style:font-style-asian="normal" style:font-weight-asian="normal" style:font-family-complex="'Lucida Sans Unicode'" style:font-pitch-complex="variable" style:font-size-complex="20pt" style:font-style-complex="normal" style:font-weight-complex="normal" style:font-relief="none"/>
+    </style:style>
+    <style:style style:name="Titolo1-outline8" style:family="presentation" style:parent-style-name="Titolo1-outline7">
+      <style:paragraph-properties fo:margin-left="5.715cm" fo:margin-right="0cm" fo:margin-top="0cm" fo:margin-bottom="0.101cm" fo:line-height="95%" fo:text-align="start" fo:text-indent="-0.635cm" style:punctuation-wrap="simple" style:line-break="strict" style:writing-mode="lr-tb" style:font-independent-line-spacing="true">
+        <style:tab-stops>
+          <style:tab-stop style:position="0cm"/>
+          <style:tab-stop style:position="0.524cm"/>
+          <style:tab-stop style:position="1.772cm"/>
+          <style:tab-stop style:position="3.02cm"/>
+          <style:tab-stop style:position="4.268cm"/>
+          <style:tab-stop style:position="5.516cm"/>
+          <style:tab-stop style:position="6.764cm"/>
+          <style:tab-stop style:position="8.012cm"/>
+          <style:tab-stop style:position="9.26cm"/>
+          <style:tab-stop style:position="10.508cm"/>
+          <style:tab-stop style:position="11.756cm"/>
+          <style:tab-stop style:position="13.004cm"/>
+          <style:tab-stop style:position="14.252cm"/>
+          <style:tab-stop style:position="15.5cm"/>
+          <style:tab-stop style:position="16.748cm"/>
+          <style:tab-stop style:position="17.996cm"/>
+          <style:tab-stop style:position="19.244cm"/>
+          <style:tab-stop style:position="20.491cm"/>
+          <style:tab-stop style:position="21.739cm"/>
+          <style:tab-stop style:position="22.987cm"/>
+          <style:tab-stop style:position="24.235cm"/>
+        </style:tab-stops>
+      </style:paragraph-properties>
+      <style:text-properties fo:color="#e6e6e6" style:text-line-through-style="none" style:text-position="0% 100%" fo:font-family="'Times New Roman'" style:font-family-generic="roman" style:font-pitch="variable" fo:font-size="20pt" fo:font-style="normal" fo:text-shadow="none" style:text-underline-style="none" fo:font-weight="normal" style:font-family-asian="'Lucida Sans Unicode'" style:font-pitch-asian="variable" style:font-size-asian="20pt" style:font-style-asian="normal" style:font-weight-asian="normal" style:font-family-complex="'Lucida Sans Unicode'" style:font-pitch-complex="variable" style:font-size-complex="20pt" style:font-style-complex="normal" style:font-weight-complex="normal" style:font-relief="none"/>
+    </style:style>
+    <style:style style:name="Titolo1-outline9" style:family="presentation" style:parent-style-name="Titolo1-outline8">
+      <style:paragraph-properties fo:margin-left="5.715cm" fo:margin-right="0cm" fo:margin-top="0cm" fo:margin-bottom="0.101cm" fo:line-height="95%" fo:text-align="start" fo:text-indent="-0.635cm" style:punctuation-wrap="simple" style:line-break="strict" style:writing-mode="lr-tb" style:font-independent-line-spacing="true">
+        <style:tab-stops>
+          <style:tab-stop style:position="0cm"/>
+          <style:tab-stop style:position="0.524cm"/>
+          <style:tab-stop style:position="1.772cm"/>
+          <style:tab-stop style:position="3.02cm"/>
+          <style:tab-stop style:position="4.268cm"/>
+          <style:tab-stop style:position="5.516cm"/>
+          <style:tab-stop style:position="6.764cm"/>
+          <style:tab-stop style:position="8.012cm"/>
+          <style:tab-stop style:position="9.26cm"/>
+          <style:tab-stop style:position="10.508cm"/>
+          <style:tab-stop style:position="11.756cm"/>
+          <style:tab-stop style:position="13.004cm"/>
+          <style:tab-stop style:position="14.252cm"/>
+          <style:tab-stop style:position="15.5cm"/>
+          <style:tab-stop style:position="16.748cm"/>
+          <style:tab-stop style:position="17.996cm"/>
+          <style:tab-stop style:position="19.244cm"/>
+          <style:tab-stop style:position="20.491cm"/>
+          <style:tab-stop style:position="21.739cm"/>
+          <style:tab-stop style:position="22.987cm"/>
+          <style:tab-stop style:position="24.235cm"/>
+        </style:tab-stops>
+      </style:paragraph-properties>
+      <style:text-properties fo:color="#e6e6e6" style:text-line-through-style="none" style:text-position="0% 100%" fo:font-family="'Times New Roman'" style:font-family-generic="roman" style:font-pitch="variable" fo:font-size="20pt" fo:font-style="normal" fo:text-shadow="none" style:text-underline-style="none" fo:font-weight="normal" style:font-family-asian="'Lucida Sans Unicode'" style:font-pitch-asian="variable" style:font-size-asian="20pt" style:font-style-asian="normal" style:font-weight-asian="normal" style:font-family-complex="'Lucida Sans Unicode'" style:font-pitch-complex="variable" style:font-size-complex="20pt" style:font-style-complex="normal" style:font-weight-complex="normal" style:font-relief="none"/>
+    </style:style>
+    <style:style style:name="Titolo1-subtitle" style:family="presentation">
+      <style:graphic-properties draw:stroke="none" draw:fill="none" draw:textarea-vertical-align="middle">
+        <text:list-style style:name="Titolo1-subtitle">
+          <text:list-level-style-number text:level="1" style:num-format="">
+            <style:list-level-properties/>
+            <style:text-properties fo:color="#000000" fo:font-size="100%"/>
+          </text:list-level-style-number>
+          <text:list-level-style-bullet text:level="2" text:bullet-char="–">
+            <style:list-level-properties text:space-before="1.27cm" text:min-label-width="0.793cm"/>
+            <style:text-properties fo:font-family="'Times New Roman'" style:font-family-generic="roman" style:font-pitch="variable" fo:color="#000000" fo:font-size="100%"/>
+          </text:list-level-style-bullet>
+          <text:list-level-style-bullet text:level="3" text:bullet-char="•">
+            <style:list-level-properties text:space-before="2.54cm" text:min-label-width="0.635cm"/>
+            <style:text-properties fo:font-family="'Times New Roman'" style:font-family-generic="roman" style:font-pitch="variable" fo:color="#000000" fo:font-size="100%"/>
+          </text:list-level-style-bullet>
+          <text:list-level-style-bullet text:level="4" text:bullet-char="–">
+            <style:list-level-properties text:space-before="3.81cm" text:min-label-width="0.635cm"/>
+            <style:text-properties fo:font-family="'Times New Roman'" style:font-family-generic="roman" style:font-pitch="variable" fo:color="#000000" fo:font-size="100%"/>
+          </text:list-level-style-bullet>
+          <text:list-level-style-bullet text:level="5" text:bullet-char="»">
+            <style:list-level-properties text:space-before="5.08cm" text:min-label-width="0.635cm"/>
+            <style:text-properties fo:font-family="'Times New Roman'" style:font-family-generic="roman" style:font-pitch="variable" fo:color="#000000" fo:font-size="100%"/>
+          </text:list-level-style-bullet>
+          <text:list-level-style-bullet text:level="6" text:bullet-char="»">
+            <style:list-level-properties text:space-before="5.08cm" text:min-label-width="0.635cm"/>
+            <style:text-properties fo:font-family="'Times New Roman'" style:font-family-generic="roman" style:font-pitch="variable" fo:color="#000000" fo:font-size="100%"/>
+          </text:list-level-style-bullet>
+          <text:list-level-style-bullet text:level="7" text:bullet-char="»">
+            <style:list-level-properties text:space-before="5.08cm" text:min-label-width="0.635cm"/>
+            <style:text-properties fo:font-family="'Times New Roman'" style:font-family-generic="roman" style:font-pitch="variable" fo:color="#000000" fo:font-size="100%"/>
+          </text:list-level-style-bullet>
+          <text:list-level-style-bullet text:level="8" text:bullet-char="»">
+            <style:list-level-properties text:space-before="5.08cm" text:min-label-width="0.635cm"/>
+            <style:text-properties fo:font-family="'Times New Roman'" style:font-family-generic="roman" style:font-pitch="variable" fo:color="#000000" fo:font-size="100%"/>
+          </text:list-level-style-bullet>
+          <text:list-level-style-bullet text:level="9" text:bullet-char="»">
+            <style:list-level-properties text:space-before="5.08cm" text:min-label-width="0.635cm"/>
+            <style:text-properties fo:font-family="'Times New Roman'" style:font-family-generic="roman" style:font-pitch="variable" fo:color="#000000" fo:font-size="100%"/>
+          </text:list-level-style-bullet>
+          <text:list-level-style-bullet text:level="10" text:bullet-char="»">
+            <style:list-level-properties text:space-before="5.08cm" text:min-label-width="0.635cm"/>
+            <style:text-properties fo:font-family="'Times New Roman'" style:font-family-generic="roman" style:font-pitch="variable" fo:color="#000000" fo:font-size="100%"/>
+          </text:list-level-style-bullet>
+        </text:list-style>
+      </style:graphic-properties>
+      <style:paragraph-properties fo:margin-left="0.952cm" fo:margin-right="0cm" fo:margin-top="0cm" fo:margin-bottom="0cm" fo:line-height="95%" fo:text-align="center" fo:text-indent="-0.952cm" style:punctuation-wrap="simple" style:line-break="strict" style:writing-mode="lr-tb" style:font-independent-line-spacing="true">
+        <style:tab-stops>
+          <style:tab-stop style:position="0cm"/>
+          <style:tab-stop style:position="0.295cm"/>
+          <style:tab-stop style:position="1.543cm"/>
+          <style:tab-stop style:position="2.791cm"/>
+          <style:tab-stop style:position="4.039cm"/>
+          <style:tab-stop style:position="5.287cm"/>
+          <style:tab-stop style:position="6.535cm"/>
+          <style:tab-stop style:position="7.783cm"/>
+          <style:tab-stop style:position="9.031cm"/>
+          <style:tab-stop style:position="10.279cm"/>
+          <style:tab-stop style:position="11.527cm"/>
+          <style:tab-stop style:position="12.774cm"/>
+          <style:tab-stop style:position="14.022cm"/>
+          <style:tab-stop style:position="15.27cm"/>
+          <style:tab-stop style:position="16.518cm"/>
+          <style:tab-stop style:position="17.766cm"/>
+          <style:tab-stop style:position="19.014cm"/>
+          <style:tab-stop style:position="20.262cm"/>
+          <style:tab-stop style:position="21.51cm"/>
+          <style:tab-stop style:position="22.758cm"/>
+          <style:tab-stop style:position="24.006cm"/>
+        </style:tab-stops>
+      </style:paragraph-properties>
+      <style:text-properties fo:color="#cccccc" style:text-outline="false" style:text-line-through-style="none" style:text-position="0% 100%" fo:font-family="'Times New Roman'" style:font-family-generic="roman" style:font-pitch="variable" fo:font-size="24pt" fo:font-style="normal" fo:text-shadow="none" style:text-underline-style="none" fo:font-weight="normal" style:letter-kerning="true" style:font-family-asian="'Lucida Sans Unicode'" style:font-pitch-asian="variable" style:font-size-asian="24pt" style:font-style-asian="normal" style:font-weight-asian="normal" style:font-family-complex="'Lucida Sans Unicode'" style:font-pitch-complex="variable" style:font-size-complex="24pt" style:font-style-complex="normal" style:font-weight-complex="normal" style:text-emphasize="none" style:font-relief="none" style:text-overline-style="none" style:text-overline-color="font-color"/>
+    </style:style>
+    <style:style style:name="Titolo1-title" style:family="presentation">
+      <style:graphic-properties draw:stroke="none" draw:fill="none" draw:textarea-horizontal-align="left" draw:textarea-vertical-align="middle" fo:padding-top="0cm" fo:padding-bottom="0cm" fo:padding-left="0cm" fo:padding-right="0cm">
+        <text:list-style style:name="Titolo1-title">
+          <text:list-level-style-number text:level="1" style:num-format="">
+            <style:list-level-properties/>
+            <style:text-properties fo:color="#000000" fo:font-size="100%"/>
+          </text:list-level-style-number>
+        </text:list-style>
+      </style:graphic-properties>
+      <style:paragraph-properties fo:margin-left="0cm" fo:margin-right="0cm" fo:margin-top="0cm" fo:margin-bottom="0cm" fo:line-height="93%" fo:text-align="start" fo:text-indent="0cm" style:punctuation-wrap="simple" style:line-break="strict" style:writing-mode="lr-tb" style:font-independent-line-spacing="true">
+        <style:tab-stops>
+          <style:tab-stop style:position="0cm"/>
+          <style:tab-stop style:position="1.247cm"/>
+          <style:tab-stop style:position="2.495cm"/>
+          <style:tab-stop style:position="3.743cm"/>
+          <style:tab-stop style:position="4.991cm"/>
+          <style:tab-stop style:position="6.239cm"/>
+          <style:tab-stop style:position="7.487cm"/>
+          <style:tab-stop style:position="8.735cm"/>
+          <style:tab-stop style:position="9.983cm"/>
+          <style:tab-stop style:position="11.231cm"/>
+          <style:tab-stop style:position="12.479cm"/>
+          <style:tab-stop style:position="13.727cm"/>
+          <style:tab-stop style:position="14.975cm"/>
+          <style:tab-stop style:position="16.223cm"/>
+          <style:tab-stop style:position="17.471cm"/>
+          <style:tab-stop style:position="18.719cm"/>
+          <style:tab-stop style:position="19.967cm"/>
+          <style:tab-stop style:position="21.215cm"/>
+          <style:tab-stop style:position="22.463cm"/>
+          <style:tab-stop style:position="23.711cm"/>
+          <style:tab-stop style:position="24.959cm"/>
+        </style:tab-stops>
+      </style:paragraph-properties>
+      <style:text-properties fo:color="#ff9966" style:text-outline="false" style:text-line-through-style="none" style:text-position="0% 100%" fo:font-family="Arial" style:font-family-generic="roman" style:font-pitch="variable" fo:font-size="24pt" fo:font-style="italic" fo:text-shadow="none" style:text-underline-style="none" fo:font-weight="bold" style:letter-kerning="true" style:font-family-asian="'Lucida Sans Unicode'" style:font-pitch-asian="variable" style:font-size-asian="24pt" style:font-style-asian="italic" style:font-weight-asian="bold" style:font-family-complex="'Lucida Sans Unicode'" style:font-pitch-complex="variable" style:font-size-complex="24pt" style:font-style-complex="italic" style:font-weight-complex="bold" style:text-emphasize="none" style:font-relief="none" style:text-overline-style="none" style:text-overline-color="font-color"/>
+    </style:style>
     <style:presentation-page-layout style:name="AL0T26">
       <presentation:placeholder presentation:object="handout" svg:x="2.058cm" svg:y="1.743cm" svg:width="10.556cm" svg:height="-0.233cm"/>
       <presentation:placeholder presentation:object="handout" svg:x="15.414cm" svg:y="1.743cm" svg:width="10.556cm" svg:height="-0.233cm"/>
@@ -1874,6 +2555,9 @@
     <style:page-layout style:name="PM1">
       <style:page-layout-properties fo:margin-top="0cm" fo:margin-bottom="0cm" fo:margin-left="0cm" fo:margin-right="0cm" fo:page-width="28cm" fo:page-height="21cm" style:print-orientation="landscape"/>
     </style:page-layout>
+    <style:page-layout style:name="PM2">
+      <style:page-layout-properties fo:margin-top="0cm" fo:margin-bottom="0cm" fo:margin-left="0cm" fo:margin-right="0cm" fo:page-width="21cm" fo:page-height="29.7cm" style:print-orientation="landscape"/>
+    </style:page-layout>
     <style:style style:name="Mdp1" style:family="drawing-page">
       <style:drawing-page-properties draw:background-size="border" draw:fill="none"/>
     </style:style>
@@ -1884,6 +2568,9 @@
       <style:drawing-page-properties draw:background-size="border" draw:fill="solid" draw:fill-color="#babed6" draw:fill-image-width="1cm" draw:fill-image-height="1cm"/>
     </style:style>
     <style:style style:name="Mdp4" style:family="drawing-page">
+      <style:drawing-page-properties draw:background-size="border" draw:fill="solid" draw:fill-color="#003366"/>
+    </style:style>
+    <style:style style:name="Mdp5" style:family="drawing-page">
       <style:drawing-page-properties presentation:display-header="true" presentation:display-footer="true" presentation:display-page-number="false" presentation:display-date-time="true"/>
     </style:style>
     <style:style style:name="Mgr1" style:family="graphic" style:parent-style-name="standard">
@@ -1894,6 +2581,12 @@
     </style:style>
     <style:style style:name="Mgr3" style:family="graphic" style:parent-style-name="standard">
       <style:graphic-properties draw:stroke="none" draw:fill-color="#ff9966" draw:fill-image-width="1cm" draw:fill-image-height="1cm" draw:textarea-horizontal-align="center" draw:textarea-vertical-align="middle"/>
+    </style:style>
+    <style:style style:name="Mgr4" style:family="graphic" style:parent-style-name="standard">
+      <style:graphic-properties draw:stroke="none" draw:fill="solid" draw:fill-color="#ff9966" draw:textarea-horizontal-align="left" draw:textarea-vertical-align="middle" draw:auto-grow-height="false" fo:padding-top="0.13cm" fo:padding-bottom="0.13cm" fo:padding-left="0.25cm" fo:padding-right="0.25cm" fo:wrap-option="no-wrap" draw:shadow-color="#808080"/>
+    </style:style>
+    <style:style style:name="Mgr5" style:family="graphic" style:parent-style-name="standard">
+      <style:graphic-properties draw:stroke="none" svg:stroke-width="0.026cm" svg:stroke-color="#000000" draw:stroke-linejoin="miter" svg:stroke-linecap="square" draw:fill="solid" draw:fill-color="#ffffff" draw:textarea-horizontal-align="center" draw:textarea-vertical-align="middle" draw:shadow-color="#808080" style:protect="position size"/>
     </style:style>
     <style:style style:name="Mpr1" style:family="presentation" style:parent-style-name="Predefinito-backgroundobjects">
       <style:graphic-properties draw:stroke="none" draw:fill="none" draw:fill-color="#ffffff" draw:auto-grow-height="false" fo:min-height="1.449cm"/>
@@ -1923,6 +2616,9 @@
     </style:style>
     <style:style style:name="MP4" style:family="paragraph">
       <style:paragraph-properties fo:text-align="center"/>
+    </style:style>
+    <style:style style:name="MP5" style:family="paragraph">
+      <style:paragraph-properties style:writing-mode="lr-tb" style:font-independent-line-spacing="true"/>
     </style:style>
     <style:style style:name="MT1" style:family="text">
       <style:text-properties fo:font-size="14pt" style:font-size-asian="14pt" style:font-size-complex="14pt"/>
@@ -2020,7 +2716,7 @@
       <draw:layer draw:name="controls"/>
       <draw:layer draw:name="measurelines"/>
     </draw:layer-set>
-    <style:handout-master presentation:presentation-page-layout-name="AL0T26" style:page-layout-name="PM0" draw:style-name="Mdp4">
+    <style:handout-master presentation:presentation-page-layout-name="AL0T26" style:page-layout-name="PM0" draw:style-name="Mdp5">
       <draw:frame draw:style-name="Mgr1" draw:text-style-name="MP1" draw:layer="backgroundobjects" svg:width="9.113cm" svg:height="1.484cm" svg:x="0cm" svg:y="0cm" presentation:class="header">
         <draw:text-box>
           <text:p text:style-name="MP1">
@@ -2065,7 +2761,6 @@
       <draw:page-thumbnail draw:layer="backgroundobjects" svg:width="8.999cm" svg:height="6.749cm" svg:x="11cm" svg:y="20.05cm"/>
     </style:handout-master>
     <style:master-page style:name="Predefinito" style:page-layout-name="PM1" draw:style-name="Mdp1">
-      <office:forms form:automatic-focus="false" form:apply-design-mode="false"/>
       <draw:frame presentation:style-name="Predefinito-title" draw:layer="backgroundobjects" svg:width="25.199cm" svg:height="3.506cm" svg:x="1.4cm" svg:y="0.837cm" presentation:class="title" presentation:placeholder="true">
         <draw:text-box/>
       </draw:frame>
@@ -2143,7 +2838,6 @@
       </presentation:notes>
     </style:master-page>
     <style:master-page style:name="lyt-darkblue" style:page-layout-name="PM1" draw:style-name="Mdp2">
-      <office:forms form:automatic-focus="false" form:apply-design-mode="false"/>
       <draw:frame presentation:style-name="lyt-darkblue-title" draw:layer="backgroundobjects" svg:width="23.911cm" svg:height="3.506cm" svg:x="2.058cm" svg:y="0.784cm" presentation:class="title" presentation:placeholder="true">
         <draw:text-box draw:corner-radius="0.016cm"/>
       </draw:frame>
@@ -2164,7 +2858,6 @@
       </presentation:notes>
     </style:master-page>
     <style:master-page style:name="lyt-cool" style:page-layout-name="PM1" draw:style-name="Mdp3">
-      <office:forms form:automatic-focus="false" form:apply-design-mode="false"/>
       <draw:rect presentation:style-name="Mpr4" draw:text-style-name="MP4" draw:layer="backgroundobjects" svg:width="26.874cm" svg:height="15.739cm" svg:x="1.126cm" svg:y="5.261cm">
         <text:p/>
       </draw:rect>
@@ -2191,7 +2884,6 @@
       </presentation:notes>
     </style:master-page>
     <style:master-page style:name="Predefinito1" style:page-layout-name="PM1" draw:style-name="Mdp2">
-      <office:forms form:automatic-focus="false" form:apply-design-mode="false"/>
       <draw:frame presentation:style-name="Predefinito1-title" draw:layer="backgroundobjects" svg:width="23.911cm" svg:height="3.506cm" svg:x="2.058cm" svg:y="0.784cm" presentation:class="title" presentation:placeholder="true">
         <draw:text-box draw:corner-radius="0.016cm"/>
       </draw:frame>
@@ -2211,6 +2903,57 @@
         </draw:frame>
       </presentation:notes>
     </style:master-page>
+    <style:master-page style:name="Titolo1" style:page-layout-name="PM1" draw:style-name="Mdp4">
+      <draw:frame presentation:style-name="Titolo1-title" draw:layer="backgroundobjects" svg:width="23.905cm" svg:height="3.501cm" svg:x="2.058cm" svg:y="0.784cm" presentation:class="title" presentation:placeholder="true">
+        <draw:text-box/>
+      </draw:frame>
+      <draw:frame presentation:style-name="Titolo1-outline1" draw:layer="backgroundobjects" svg:width="24.364cm" svg:height="13.71cm" svg:x="2.059cm" svg:y="5.455cm" presentation:class="outline" presentation:placeholder="true">
+        <draw:text-box/>
+      </draw:frame>
+      <draw:custom-shape draw:style-name="Mgr4" draw:text-style-name="MP5" draw:layer="backgroundobjects" svg:width="25.987cm" svg:height="0.269cm" svg:x="2.015cm" svg:y="19.659cm">
+        <text:p/>
+        <draw:enhanced-geometry svg:viewBox="0 0 21600 21600" draw:path-stretchpoint-x="10800" draw:path-stretchpoint-y="10800" draw:text-areas="?f3 ?f4 ?f5 ?f6" draw:type="round-rectangle" draw:modifiers="360" draw:enhanced-path="M ?f7 0 X 0 ?f8 L 0 ?f9 Y ?f7 21600 L ?f10 21600 X 21600 ?f9 L 21600 ?f8 Y ?f10 0 Z N">
+          <draw:equation draw:name="f0" draw:formula="45"/>
+          <draw:equation draw:name="f1" draw:formula="$0 *sin(?f0 *(pi/180))"/>
+          <draw:equation draw:name="f2" draw:formula="?f1 *3163/7636"/>
+          <draw:equation draw:name="f3" draw:formula="left+?f2 "/>
+          <draw:equation draw:name="f4" draw:formula="top+?f2 "/>
+          <draw:equation draw:name="f5" draw:formula="right-?f2 "/>
+          <draw:equation draw:name="f6" draw:formula="bottom-?f2 "/>
+          <draw:equation draw:name="f7" draw:formula="left+$0 "/>
+          <draw:equation draw:name="f8" draw:formula="top+$0 "/>
+          <draw:equation draw:name="f9" draw:formula="bottom-$0 "/>
+          <draw:equation draw:name="f10" draw:formula="right-$0 "/>
+          <draw:handle draw:handle-position="$0 top" draw:handle-switched="true" draw:handle-range-x-minimum="0" draw:handle-range-x-maximum="10800"/>
+        </draw:enhanced-geometry>
+      </draw:custom-shape>
+      <draw:custom-shape draw:style-name="Mgr4" draw:text-style-name="MP5" draw:layer="backgroundobjects" svg:width="22.476cm" svg:height="0.269cm" svg:x="5.521cm" svg:y="20.249cm">
+        <text:p/>
+        <draw:enhanced-geometry svg:viewBox="0 0 21600 21600" draw:path-stretchpoint-x="10800" draw:path-stretchpoint-y="10800" draw:text-areas="?f3 ?f4 ?f5 ?f6" draw:type="round-rectangle" draw:modifiers="360" draw:enhanced-path="M ?f7 0 X 0 ?f8 L 0 ?f9 Y ?f7 21600 L ?f10 21600 X 21600 ?f9 L 21600 ?f8 Y ?f10 0 Z N">
+          <draw:equation draw:name="f0" draw:formula="45"/>
+          <draw:equation draw:name="f1" draw:formula="$0 *sin(?f0 *(pi/180))"/>
+          <draw:equation draw:name="f2" draw:formula="?f1 *3163/7636"/>
+          <draw:equation draw:name="f3" draw:formula="left+?f2 "/>
+          <draw:equation draw:name="f4" draw:formula="top+?f2 "/>
+          <draw:equation draw:name="f5" draw:formula="right-?f2 "/>
+          <draw:equation draw:name="f6" draw:formula="bottom-?f2 "/>
+          <draw:equation draw:name="f7" draw:formula="left+$0 "/>
+          <draw:equation draw:name="f8" draw:formula="top+$0 "/>
+          <draw:equation draw:name="f9" draw:formula="bottom-$0 "/>
+          <draw:equation draw:name="f10" draw:formula="right-$0 "/>
+          <draw:handle draw:handle-position="$0 top" draw:handle-switched="true" draw:handle-range-x-minimum="0" draw:handle-range-x-maximum="10800"/>
+        </draw:enhanced-geometry>
+      </draw:custom-shape>
+      <presentation:notes style:page-layout-name="PM2">
+        <draw:rect draw:style-name="Mgr5" draw:text-style-name="MP4" draw:layer="backgroundobjects" svg:width="21cm" svg:height="29.7cm" svg:x="0cm" svg:y="0cm">
+          <text:p/>
+        </draw:rect>
+        <draw:page-thumbnail presentation:style-name="Titolo1-title" draw:layer="backgroundobjects" svg:width="13.701cm" svg:height="10.275cm" svg:x="3.646cm" svg:y="2.852cm" presentation:class="page"/>
+        <draw:frame presentation:style-name="Titolo1-notes" draw:layer="backgroundobjects" svg:width="14.512cm" svg:height="11.403cm" svg:x="3.25cm" svg:y="14.128cm" presentation:class="notes" presentation:placeholder="true">
+          <draw:text-box/>
+        </draw:frame>
+      </presentation:notes>
+    </style:master-page>
   </office:master-styles>
 </office:document-styles>
 </file>